--- a/Tankersley_WAIS_2022_1min_slide.pptx
+++ b/Tankersley_WAIS_2022_1min_slide.pptx
@@ -197,7 +197,7 @@
           <a:p>
             <a:fld id="{994930AC-0CAE-454E-82AE-CCEF7F275F04}" type="datetimeFigureOut">
               <a:rPr lang="en-NZ" smtClean="0"/>
-              <a:t>21/09/2022</a:t>
+              <a:t>26/09/2022</a:t>
             </a:fld>
             <a:endParaRPr lang="en-NZ"/>
           </a:p>
@@ -515,18 +515,170 @@
           <a:lstStyle/>
           <a:p>
             <a:r>
-              <a:rPr lang="en-US" dirty="0"/>
-              <a:t>1 min intro:</a:t>
-            </a:r>
-          </a:p>
-          <a:p>
-            <a:endParaRPr lang="en-US" dirty="0"/>
-          </a:p>
-          <a:p>
-            <a:r>
-              <a:rPr lang="en-US" dirty="0"/>
-              <a:t>Hi everyone, I’ll be presenting a poster focused on the solid-earth – cryosphere interactions of the Ross Ice Shelf region. For the Ross Ice Shelf, as you can see in this 3D plot, the underlying solid-earth is hidden by 100’s to 1000’s of meters of sedimentary deposits, and then seawater, and finally the  floating ice shelf. Our research here has used airborne magnetics data to try and strip away those layer to discover the shape of the underlying basement rock. From this basement surface, we’ve identified large, fault bound, sedimentary basins, up to 3 km thick, which likely have a strong influence on important boundary conditions for the ice sheet, such as geothermal heat flow and ground water transport.  If you’re interested in hearing more about this, please come by my poster.</a:t>
-            </a:r>
+              <a:rPr lang="en-US" sz="4800" kern="1200" dirty="0">
+                <a:solidFill>
+                  <a:schemeClr val="tx1"/>
+                </a:solidFill>
+                <a:effectLst/>
+                <a:latin typeface="+mn-lt"/>
+                <a:ea typeface="+mn-ea"/>
+                <a:cs typeface="+mn-cs"/>
+              </a:rPr>
+              <a:t>Hi everyone, I’ll be presenting a poster focused on the solid-earth – cryosphere interactions of the Ross Ice Shelf region. </a:t>
+            </a:r>
+          </a:p>
+          <a:p>
+            <a:endParaRPr lang="en-NZ" sz="4800" kern="1200" dirty="0">
+              <a:solidFill>
+                <a:schemeClr val="tx1"/>
+              </a:solidFill>
+              <a:effectLst/>
+              <a:latin typeface="+mn-lt"/>
+              <a:ea typeface="+mn-ea"/>
+              <a:cs typeface="+mn-cs"/>
+            </a:endParaRPr>
+          </a:p>
+          <a:p>
+            <a:r>
+              <a:rPr lang="en-US" sz="4800" kern="1200" dirty="0">
+                <a:solidFill>
+                  <a:schemeClr val="tx1"/>
+                </a:solidFill>
+                <a:effectLst/>
+                <a:latin typeface="+mn-lt"/>
+                <a:ea typeface="+mn-ea"/>
+                <a:cs typeface="+mn-cs"/>
+              </a:rPr>
+              <a:t>For the Ross Ice Shelf, as you can see in this 3D plot, the underlying solid-earth is hidden by 100’s to 1000’s of meters of sedimentary deposits, and then seawater, and finally by  the floating ice shelf. </a:t>
+            </a:r>
+          </a:p>
+          <a:p>
+            <a:endParaRPr lang="en-NZ" sz="4800" kern="1200" dirty="0">
+              <a:solidFill>
+                <a:schemeClr val="tx1"/>
+              </a:solidFill>
+              <a:effectLst/>
+              <a:latin typeface="+mn-lt"/>
+              <a:ea typeface="+mn-ea"/>
+              <a:cs typeface="+mn-cs"/>
+            </a:endParaRPr>
+          </a:p>
+          <a:p>
+            <a:r>
+              <a:rPr lang="en-US" sz="4800" kern="1200" dirty="0">
+                <a:solidFill>
+                  <a:schemeClr val="tx1"/>
+                </a:solidFill>
+                <a:effectLst/>
+                <a:latin typeface="+mn-lt"/>
+                <a:ea typeface="+mn-ea"/>
+                <a:cs typeface="+mn-cs"/>
+              </a:rPr>
+              <a:t>Our research here has used airborne magnetics data to try and strip away those layer to discover the shape of the underlying basement rock. </a:t>
+            </a:r>
+          </a:p>
+          <a:p>
+            <a:endParaRPr lang="en-NZ" sz="4800" kern="1200" dirty="0">
+              <a:solidFill>
+                <a:schemeClr val="tx1"/>
+              </a:solidFill>
+              <a:effectLst/>
+              <a:latin typeface="+mn-lt"/>
+              <a:ea typeface="+mn-ea"/>
+              <a:cs typeface="+mn-cs"/>
+            </a:endParaRPr>
+          </a:p>
+          <a:p>
+            <a:r>
+              <a:rPr lang="en-US" sz="4800" kern="1200" dirty="0">
+                <a:solidFill>
+                  <a:schemeClr val="tx1"/>
+                </a:solidFill>
+                <a:effectLst/>
+                <a:latin typeface="+mn-lt"/>
+                <a:ea typeface="+mn-ea"/>
+                <a:cs typeface="+mn-cs"/>
+              </a:rPr>
+              <a:t>From this basement surface, as you can see on the bottom of the plot, we’ve identified large, fault bound, sedimentary basins, up to 3 km thick, </a:t>
+            </a:r>
+            <a:endParaRPr lang="en-NZ" sz="4800" kern="1200" dirty="0">
+              <a:solidFill>
+                <a:schemeClr val="tx1"/>
+              </a:solidFill>
+              <a:effectLst/>
+              <a:latin typeface="+mn-lt"/>
+              <a:ea typeface="+mn-ea"/>
+              <a:cs typeface="+mn-cs"/>
+            </a:endParaRPr>
+          </a:p>
+          <a:p>
+            <a:r>
+              <a:rPr lang="en-US" sz="4800" kern="1200" dirty="0">
+                <a:solidFill>
+                  <a:schemeClr val="tx1"/>
+                </a:solidFill>
+                <a:effectLst/>
+                <a:latin typeface="+mn-lt"/>
+                <a:ea typeface="+mn-ea"/>
+                <a:cs typeface="+mn-cs"/>
+              </a:rPr>
+              <a:t>which likely have a strong influence on important boundary conditions for the ice sheet, such as geothermal heat flow and ground water transport.  </a:t>
+            </a:r>
+            <a:endParaRPr lang="en-NZ" sz="4800" kern="1200" dirty="0">
+              <a:solidFill>
+                <a:schemeClr val="tx1"/>
+              </a:solidFill>
+              <a:effectLst/>
+              <a:latin typeface="+mn-lt"/>
+              <a:ea typeface="+mn-ea"/>
+              <a:cs typeface="+mn-cs"/>
+            </a:endParaRPr>
+          </a:p>
+          <a:p>
+            <a:r>
+              <a:rPr lang="en-US" sz="4800" kern="1200" dirty="0">
+                <a:solidFill>
+                  <a:schemeClr val="tx1"/>
+                </a:solidFill>
+                <a:effectLst/>
+                <a:latin typeface="+mn-lt"/>
+                <a:ea typeface="+mn-ea"/>
+                <a:cs typeface="+mn-cs"/>
+              </a:rPr>
+              <a:t> </a:t>
+            </a:r>
+            <a:endParaRPr lang="en-NZ" sz="4800" kern="1200" dirty="0">
+              <a:solidFill>
+                <a:schemeClr val="tx1"/>
+              </a:solidFill>
+              <a:effectLst/>
+              <a:latin typeface="+mn-lt"/>
+              <a:ea typeface="+mn-ea"/>
+              <a:cs typeface="+mn-cs"/>
+            </a:endParaRPr>
+          </a:p>
+          <a:p>
+            <a:r>
+              <a:rPr lang="en-US" sz="4800" kern="1200" dirty="0">
+                <a:solidFill>
+                  <a:schemeClr val="tx1"/>
+                </a:solidFill>
+                <a:effectLst/>
+                <a:latin typeface="+mn-lt"/>
+                <a:ea typeface="+mn-ea"/>
+                <a:cs typeface="+mn-cs"/>
+              </a:rPr>
+              <a:t>If you’re interested in hearing more about this, please come by my poster.</a:t>
+            </a:r>
+            <a:endParaRPr lang="en-NZ" sz="4800" kern="1200" dirty="0">
+              <a:solidFill>
+                <a:schemeClr val="tx1"/>
+              </a:solidFill>
+              <a:effectLst/>
+              <a:latin typeface="+mn-lt"/>
+              <a:ea typeface="+mn-ea"/>
+              <a:cs typeface="+mn-cs"/>
+            </a:endParaRPr>
           </a:p>
         </p:txBody>
       </p:sp>
@@ -757,7 +909,7 @@
           <a:p>
             <a:fld id="{3F135061-2F74-46D4-9F8F-C77EF304855D}" type="datetimeFigureOut">
               <a:rPr lang="en-US" smtClean="0"/>
-              <a:t>9/21/2022</a:t>
+              <a:t>9/26/2022</a:t>
             </a:fld>
             <a:endParaRPr lang="en-US"/>
           </a:p>
@@ -927,7 +1079,7 @@
           <a:p>
             <a:fld id="{3F135061-2F74-46D4-9F8F-C77EF304855D}" type="datetimeFigureOut">
               <a:rPr lang="en-US" smtClean="0"/>
-              <a:t>9/21/2022</a:t>
+              <a:t>9/26/2022</a:t>
             </a:fld>
             <a:endParaRPr lang="en-US"/>
           </a:p>
@@ -1107,7 +1259,7 @@
           <a:p>
             <a:fld id="{3F135061-2F74-46D4-9F8F-C77EF304855D}" type="datetimeFigureOut">
               <a:rPr lang="en-US" smtClean="0"/>
-              <a:t>9/21/2022</a:t>
+              <a:t>9/26/2022</a:t>
             </a:fld>
             <a:endParaRPr lang="en-US"/>
           </a:p>
@@ -1277,7 +1429,7 @@
           <a:p>
             <a:fld id="{3F135061-2F74-46D4-9F8F-C77EF304855D}" type="datetimeFigureOut">
               <a:rPr lang="en-US" smtClean="0"/>
-              <a:t>9/21/2022</a:t>
+              <a:t>9/26/2022</a:t>
             </a:fld>
             <a:endParaRPr lang="en-US"/>
           </a:p>
@@ -1521,7 +1673,7 @@
           <a:p>
             <a:fld id="{3F135061-2F74-46D4-9F8F-C77EF304855D}" type="datetimeFigureOut">
               <a:rPr lang="en-US" smtClean="0"/>
-              <a:t>9/21/2022</a:t>
+              <a:t>9/26/2022</a:t>
             </a:fld>
             <a:endParaRPr lang="en-US"/>
           </a:p>
@@ -1753,7 +1905,7 @@
           <a:p>
             <a:fld id="{3F135061-2F74-46D4-9F8F-C77EF304855D}" type="datetimeFigureOut">
               <a:rPr lang="en-US" smtClean="0"/>
-              <a:t>9/21/2022</a:t>
+              <a:t>9/26/2022</a:t>
             </a:fld>
             <a:endParaRPr lang="en-US"/>
           </a:p>
@@ -2120,7 +2272,7 @@
           <a:p>
             <a:fld id="{3F135061-2F74-46D4-9F8F-C77EF304855D}" type="datetimeFigureOut">
               <a:rPr lang="en-US" smtClean="0"/>
-              <a:t>9/21/2022</a:t>
+              <a:t>9/26/2022</a:t>
             </a:fld>
             <a:endParaRPr lang="en-US"/>
           </a:p>
@@ -2238,7 +2390,7 @@
           <a:p>
             <a:fld id="{3F135061-2F74-46D4-9F8F-C77EF304855D}" type="datetimeFigureOut">
               <a:rPr lang="en-US" smtClean="0"/>
-              <a:t>9/21/2022</a:t>
+              <a:t>9/26/2022</a:t>
             </a:fld>
             <a:endParaRPr lang="en-US"/>
           </a:p>
@@ -2333,7 +2485,7 @@
           <a:p>
             <a:fld id="{3F135061-2F74-46D4-9F8F-C77EF304855D}" type="datetimeFigureOut">
               <a:rPr lang="en-US" smtClean="0"/>
-              <a:t>9/21/2022</a:t>
+              <a:t>9/26/2022</a:t>
             </a:fld>
             <a:endParaRPr lang="en-US"/>
           </a:p>
@@ -2610,7 +2762,7 @@
           <a:p>
             <a:fld id="{3F135061-2F74-46D4-9F8F-C77EF304855D}" type="datetimeFigureOut">
               <a:rPr lang="en-US" smtClean="0"/>
-              <a:t>9/21/2022</a:t>
+              <a:t>9/26/2022</a:t>
             </a:fld>
             <a:endParaRPr lang="en-US"/>
           </a:p>
@@ -2867,7 +3019,7 @@
           <a:p>
             <a:fld id="{3F135061-2F74-46D4-9F8F-C77EF304855D}" type="datetimeFigureOut">
               <a:rPr lang="en-US" smtClean="0"/>
-              <a:t>9/21/2022</a:t>
+              <a:t>9/26/2022</a:t>
             </a:fld>
             <a:endParaRPr lang="en-US"/>
           </a:p>
@@ -3080,7 +3232,7 @@
           <a:p>
             <a:fld id="{3F135061-2F74-46D4-9F8F-C77EF304855D}" type="datetimeFigureOut">
               <a:rPr lang="en-US" smtClean="0"/>
-              <a:t>9/21/2022</a:t>
+              <a:t>9/26/2022</a:t>
             </a:fld>
             <a:endParaRPr lang="en-US"/>
           </a:p>
@@ -3485,6 +3637,236 @@
           <a:chExt cx="0" cy="0"/>
         </a:xfrm>
       </p:grpSpPr>
+      <p:grpSp>
+        <p:nvGrpSpPr>
+          <p:cNvPr id="14" name="Group 13">
+            <a:extLst>
+              <a:ext uri="{FF2B5EF4-FFF2-40B4-BE49-F238E27FC236}">
+                <a16:creationId xmlns:a16="http://schemas.microsoft.com/office/drawing/2014/main" id="{84641EAE-C63B-40C7-B091-57C2DC53781E}"/>
+              </a:ext>
+            </a:extLst>
+          </p:cNvPr>
+          <p:cNvGrpSpPr/>
+          <p:nvPr/>
+        </p:nvGrpSpPr>
+        <p:grpSpPr>
+          <a:xfrm>
+            <a:off x="9471539" y="2700209"/>
+            <a:ext cx="16994797" cy="19373993"/>
+            <a:chOff x="9471539" y="2700210"/>
+            <a:chExt cx="16325979" cy="18611544"/>
+          </a:xfrm>
+        </p:grpSpPr>
+        <p:cxnSp>
+          <p:nvCxnSpPr>
+            <p:cNvPr id="4" name="Straight Arrow Connector 3">
+              <a:extLst>
+                <a:ext uri="{FF2B5EF4-FFF2-40B4-BE49-F238E27FC236}">
+                  <a16:creationId xmlns:a16="http://schemas.microsoft.com/office/drawing/2014/main" id="{3FAF2201-E60F-47CE-8D7E-2520244C0164}"/>
+                </a:ext>
+              </a:extLst>
+            </p:cNvPr>
+            <p:cNvCxnSpPr>
+              <a:cxnSpLocks/>
+            </p:cNvCxnSpPr>
+            <p:nvPr/>
+          </p:nvCxnSpPr>
+          <p:spPr>
+            <a:xfrm>
+              <a:off x="11265408" y="5303520"/>
+              <a:ext cx="0" cy="2706624"/>
+            </a:xfrm>
+            <a:prstGeom prst="straightConnector1">
+              <a:avLst/>
+            </a:prstGeom>
+            <a:ln w="76200">
+              <a:solidFill>
+                <a:schemeClr val="tx1"/>
+              </a:solidFill>
+              <a:headEnd type="triangle"/>
+              <a:tailEnd type="triangle"/>
+            </a:ln>
+          </p:spPr>
+          <p:style>
+            <a:lnRef idx="1">
+              <a:schemeClr val="accent1"/>
+            </a:lnRef>
+            <a:fillRef idx="0">
+              <a:schemeClr val="accent1"/>
+            </a:fillRef>
+            <a:effectRef idx="0">
+              <a:schemeClr val="accent1"/>
+            </a:effectRef>
+            <a:fontRef idx="minor">
+              <a:schemeClr val="tx1"/>
+            </a:fontRef>
+          </p:style>
+        </p:cxnSp>
+        <p:cxnSp>
+          <p:nvCxnSpPr>
+            <p:cNvPr id="13" name="Straight Arrow Connector 12">
+              <a:extLst>
+                <a:ext uri="{FF2B5EF4-FFF2-40B4-BE49-F238E27FC236}">
+                  <a16:creationId xmlns:a16="http://schemas.microsoft.com/office/drawing/2014/main" id="{B5003B23-DD5F-46B8-89CB-8903343F89B0}"/>
+                </a:ext>
+              </a:extLst>
+            </p:cNvPr>
+            <p:cNvCxnSpPr>
+              <a:cxnSpLocks/>
+            </p:cNvCxnSpPr>
+            <p:nvPr/>
+          </p:nvCxnSpPr>
+          <p:spPr>
+            <a:xfrm>
+              <a:off x="11265408" y="8412480"/>
+              <a:ext cx="0" cy="3108960"/>
+            </a:xfrm>
+            <a:prstGeom prst="straightConnector1">
+              <a:avLst/>
+            </a:prstGeom>
+            <a:ln w="76200">
+              <a:solidFill>
+                <a:schemeClr val="tx1"/>
+              </a:solidFill>
+              <a:headEnd type="triangle"/>
+              <a:tailEnd type="triangle"/>
+            </a:ln>
+          </p:spPr>
+          <p:style>
+            <a:lnRef idx="1">
+              <a:schemeClr val="accent1"/>
+            </a:lnRef>
+            <a:fillRef idx="0">
+              <a:schemeClr val="accent1"/>
+            </a:fillRef>
+            <a:effectRef idx="0">
+              <a:schemeClr val="accent1"/>
+            </a:effectRef>
+            <a:fontRef idx="minor">
+              <a:schemeClr val="tx1"/>
+            </a:fontRef>
+          </p:style>
+        </p:cxnSp>
+        <p:cxnSp>
+          <p:nvCxnSpPr>
+            <p:cNvPr id="15" name="Straight Arrow Connector 14">
+              <a:extLst>
+                <a:ext uri="{FF2B5EF4-FFF2-40B4-BE49-F238E27FC236}">
+                  <a16:creationId xmlns:a16="http://schemas.microsoft.com/office/drawing/2014/main" id="{5FA26339-414F-404F-8958-F296018BAB71}"/>
+                </a:ext>
+              </a:extLst>
+            </p:cNvPr>
+            <p:cNvCxnSpPr>
+              <a:cxnSpLocks/>
+            </p:cNvCxnSpPr>
+            <p:nvPr/>
+          </p:nvCxnSpPr>
+          <p:spPr>
+            <a:xfrm>
+              <a:off x="11265408" y="12252960"/>
+              <a:ext cx="0" cy="3877056"/>
+            </a:xfrm>
+            <a:prstGeom prst="straightConnector1">
+              <a:avLst/>
+            </a:prstGeom>
+            <a:ln w="76200">
+              <a:solidFill>
+                <a:schemeClr val="tx1"/>
+              </a:solidFill>
+              <a:headEnd type="triangle"/>
+              <a:tailEnd type="triangle"/>
+            </a:ln>
+          </p:spPr>
+          <p:style>
+            <a:lnRef idx="1">
+              <a:schemeClr val="accent1"/>
+            </a:lnRef>
+            <a:fillRef idx="0">
+              <a:schemeClr val="accent1"/>
+            </a:fillRef>
+            <a:effectRef idx="0">
+              <a:schemeClr val="accent1"/>
+            </a:effectRef>
+            <a:fontRef idx="minor">
+              <a:schemeClr val="tx1"/>
+            </a:fontRef>
+          </p:style>
+        </p:cxnSp>
+        <p:cxnSp>
+          <p:nvCxnSpPr>
+            <p:cNvPr id="19" name="Straight Arrow Connector 18">
+              <a:extLst>
+                <a:ext uri="{FF2B5EF4-FFF2-40B4-BE49-F238E27FC236}">
+                  <a16:creationId xmlns:a16="http://schemas.microsoft.com/office/drawing/2014/main" id="{82760B57-0232-4882-B70E-41FECECB4E46}"/>
+                </a:ext>
+              </a:extLst>
+            </p:cNvPr>
+            <p:cNvCxnSpPr>
+              <a:cxnSpLocks/>
+            </p:cNvCxnSpPr>
+            <p:nvPr/>
+          </p:nvCxnSpPr>
+          <p:spPr>
+            <a:xfrm>
+              <a:off x="11265408" y="16757904"/>
+              <a:ext cx="0" cy="3870960"/>
+            </a:xfrm>
+            <a:prstGeom prst="straightConnector1">
+              <a:avLst/>
+            </a:prstGeom>
+            <a:ln w="76200">
+              <a:solidFill>
+                <a:schemeClr val="tx1"/>
+              </a:solidFill>
+              <a:headEnd type="triangle"/>
+              <a:tailEnd type="triangle"/>
+            </a:ln>
+          </p:spPr>
+          <p:style>
+            <a:lnRef idx="1">
+              <a:schemeClr val="accent1"/>
+            </a:lnRef>
+            <a:fillRef idx="0">
+              <a:schemeClr val="accent1"/>
+            </a:fillRef>
+            <a:effectRef idx="0">
+              <a:schemeClr val="accent1"/>
+            </a:effectRef>
+            <a:fontRef idx="minor">
+              <a:schemeClr val="tx1"/>
+            </a:fontRef>
+          </p:style>
+        </p:cxnSp>
+        <p:pic>
+          <p:nvPicPr>
+            <p:cNvPr id="8" name="Picture 7" descr="A picture containing map&#10;&#10;Description automatically generated">
+              <a:extLst>
+                <a:ext uri="{FF2B5EF4-FFF2-40B4-BE49-F238E27FC236}">
+                  <a16:creationId xmlns:a16="http://schemas.microsoft.com/office/drawing/2014/main" id="{F12C95A5-3282-4BCB-8AA7-9BC2D39AC828}"/>
+                </a:ext>
+              </a:extLst>
+            </p:cNvPr>
+            <p:cNvPicPr>
+              <a:picLocks noChangeAspect="1"/>
+            </p:cNvPicPr>
+            <p:nvPr/>
+          </p:nvPicPr>
+          <p:blipFill rotWithShape="1">
+            <a:blip r:embed="rId3"/>
+            <a:srcRect t="7449" b="17014"/>
+            <a:stretch/>
+          </p:blipFill>
+          <p:spPr>
+            <a:xfrm>
+              <a:off x="9471539" y="2700210"/>
+              <a:ext cx="16325979" cy="18611544"/>
+            </a:xfrm>
+            <a:prstGeom prst="rect">
+              <a:avLst/>
+            </a:prstGeom>
+          </p:spPr>
+        </p:pic>
+      </p:grpSp>
       <p:pic>
         <p:nvPicPr>
           <p:cNvPr id="3" name="Picture 2">
@@ -3500,14 +3882,14 @@
           <p:nvPr/>
         </p:nvPicPr>
         <p:blipFill rotWithShape="1">
-          <a:blip r:embed="rId3"/>
+          <a:blip r:embed="rId4"/>
           <a:srcRect t="11534"/>
           <a:stretch/>
         </p:blipFill>
         <p:spPr>
           <a:xfrm>
-            <a:off x="15650572" y="22470860"/>
-            <a:ext cx="5274856" cy="4636829"/>
+            <a:off x="16095841" y="23253681"/>
+            <a:ext cx="4384319" cy="3854008"/>
           </a:xfrm>
           <a:prstGeom prst="rect">
             <a:avLst/>
@@ -3530,8 +3912,8 @@
         </p:nvSpPr>
         <p:spPr>
           <a:xfrm>
-            <a:off x="214446" y="643311"/>
-            <a:ext cx="36575999" cy="897793"/>
+            <a:off x="214445" y="1062129"/>
+            <a:ext cx="36575999" cy="3236323"/>
           </a:xfrm>
           <a:prstGeom prst="rect">
             <a:avLst/>
@@ -3605,15 +3987,15 @@
           <p:nvPr/>
         </p:nvPicPr>
         <p:blipFill>
-          <a:blip r:embed="rId4"/>
+          <a:blip r:embed="rId5"/>
           <a:stretch>
             <a:fillRect/>
           </a:stretch>
         </p:blipFill>
         <p:spPr>
           <a:xfrm>
-            <a:off x="623799" y="23032812"/>
-            <a:ext cx="3868148" cy="3868148"/>
+            <a:off x="362140" y="23799798"/>
+            <a:ext cx="3215101" cy="3215101"/>
           </a:xfrm>
           <a:prstGeom prst="ellipse">
             <a:avLst/>
@@ -3635,11 +4017,11 @@
           <p:nvPr/>
         </p:nvPicPr>
         <p:blipFill>
-          <a:blip r:embed="rId5">
+          <a:blip r:embed="rId6">
             <a:extLst>
               <a:ext uri="{BEBA8EAE-BF5A-486C-A8C5-ECC9F3942E4B}">
                 <a14:imgProps xmlns:a14="http://schemas.microsoft.com/office/drawing/2010/main">
-                  <a14:imgLayer r:embed="rId6">
+                  <a14:imgLayer r:embed="rId7">
                     <a14:imgEffect>
                       <a14:backgroundRemoval t="10000" b="90000" l="10000" r="90000">
                         <a14:foregroundMark x1="53667" y1="25556" x2="53667" y2="25556"/>
@@ -3702,8 +4084,8 @@
         </p:blipFill>
         <p:spPr>
           <a:xfrm>
-            <a:off x="32486600" y="22938574"/>
-            <a:ext cx="4303845" cy="4303845"/>
+            <a:off x="32998759" y="23665178"/>
+            <a:ext cx="3577241" cy="3577241"/>
           </a:xfrm>
           <a:prstGeom prst="rect">
             <a:avLst/>
@@ -3725,7 +4107,7 @@
           <p:nvPr/>
         </p:nvPicPr>
         <p:blipFill rotWithShape="1">
-          <a:blip r:embed="rId7" cstate="print">
+          <a:blip r:embed="rId8" cstate="print">
             <a:extLst>
               <a:ext uri="{28A0092B-C50C-407E-A947-70E740481C1C}">
                 <a14:useLocalDpi xmlns:a14="http://schemas.microsoft.com/office/drawing/2010/main" val="0"/>
@@ -3737,8 +4119,8 @@
         </p:blipFill>
         <p:spPr>
           <a:xfrm>
-            <a:off x="5776665" y="24405491"/>
-            <a:ext cx="7350783" cy="2176938"/>
+            <a:off x="3949399" y="24979276"/>
+            <a:ext cx="6109775" cy="1809413"/>
           </a:xfrm>
           <a:prstGeom prst="rect">
             <a:avLst/>
@@ -3760,7 +4142,7 @@
           <p:nvPr/>
         </p:nvPicPr>
         <p:blipFill>
-          <a:blip r:embed="rId8">
+          <a:blip r:embed="rId9">
             <a:extLst>
               <a:ext uri="{28A0092B-C50C-407E-A947-70E740481C1C}">
                 <a14:useLocalDpi xmlns:a14="http://schemas.microsoft.com/office/drawing/2010/main" val="0"/>
@@ -3773,8 +4155,8 @@
         </p:blipFill>
         <p:spPr>
           <a:xfrm>
-            <a:off x="25797518" y="24312450"/>
-            <a:ext cx="7176859" cy="2363020"/>
+            <a:off x="27033546" y="24824610"/>
+            <a:ext cx="5965213" cy="1964079"/>
           </a:xfrm>
           <a:prstGeom prst="rect">
             <a:avLst/>
@@ -3786,35 +4168,6 @@
           </a:ln>
         </p:spPr>
       </p:pic>
-      <p:pic>
-        <p:nvPicPr>
-          <p:cNvPr id="8" name="Picture 7" descr="A picture containing map&#10;&#10;Description automatically generated">
-            <a:extLst>
-              <a:ext uri="{FF2B5EF4-FFF2-40B4-BE49-F238E27FC236}">
-                <a16:creationId xmlns:a16="http://schemas.microsoft.com/office/drawing/2014/main" id="{F12C95A5-3282-4BCB-8AA7-9BC2D39AC828}"/>
-              </a:ext>
-            </a:extLst>
-          </p:cNvPr>
-          <p:cNvPicPr>
-            <a:picLocks noChangeAspect="1"/>
-          </p:cNvPicPr>
-          <p:nvPr/>
-        </p:nvPicPr>
-        <p:blipFill rotWithShape="1">
-          <a:blip r:embed="rId9"/>
-          <a:srcRect t="7449" b="17014"/>
-          <a:stretch/>
-        </p:blipFill>
-        <p:spPr>
-          <a:xfrm>
-            <a:off x="9471539" y="2700210"/>
-            <a:ext cx="16325979" cy="18611544"/>
-          </a:xfrm>
-          <a:prstGeom prst="rect">
-            <a:avLst/>
-          </a:prstGeom>
-        </p:spPr>
-      </p:pic>
       <p:sp>
         <p:nvSpPr>
           <p:cNvPr id="23" name="TextBox 22">
@@ -3829,8 +4182,8 @@
         </p:nvSpPr>
         <p:spPr>
           <a:xfrm>
-            <a:off x="0" y="21177525"/>
-            <a:ext cx="36576000" cy="1692771"/>
+            <a:off x="0" y="21470955"/>
+            <a:ext cx="36576000" cy="2328843"/>
           </a:xfrm>
           <a:prstGeom prst="rect">
             <a:avLst/>
@@ -3845,7 +4198,7 @@
           <a:p>
             <a:pPr algn="ctr" fontAlgn="base"/>
             <a:r>
-              <a:rPr lang="en-US" sz="3600" b="1" dirty="0">
+              <a:rPr lang="en-US" sz="4000" b="1" dirty="0">
                 <a:solidFill>
                   <a:schemeClr val="accent1">
                     <a:lumMod val="75000"/>
@@ -3856,7 +4209,7 @@
               <a:t>Matthew Tankersley</a:t>
             </a:r>
             <a:r>
-              <a:rPr lang="en-US" sz="3600" baseline="30000" dirty="0">
+              <a:rPr lang="en-US" sz="4000" baseline="30000" dirty="0">
                 <a:solidFill>
                   <a:schemeClr val="accent1">
                     <a:lumMod val="75000"/>
@@ -3867,7 +4220,7 @@
               <a:t>1,2</a:t>
             </a:r>
             <a:r>
-              <a:rPr lang="en-US" sz="3600" dirty="0">
+              <a:rPr lang="en-US" sz="4000" dirty="0">
                 <a:solidFill>
                   <a:schemeClr val="accent1">
                     <a:lumMod val="75000"/>
@@ -3878,7 +4231,7 @@
               <a:t>, Christine Siddoway</a:t>
             </a:r>
             <a:r>
-              <a:rPr lang="en-US" sz="3600" baseline="30000" dirty="0">
+              <a:rPr lang="en-US" sz="4000" baseline="30000" dirty="0">
                 <a:solidFill>
                   <a:schemeClr val="accent1">
                     <a:lumMod val="75000"/>
@@ -3889,7 +4242,7 @@
               <a:t>3</a:t>
             </a:r>
             <a:r>
-              <a:rPr lang="en-US" sz="3600" dirty="0">
+              <a:rPr lang="en-US" sz="4000" dirty="0">
                 <a:solidFill>
                   <a:schemeClr val="accent1">
                     <a:lumMod val="75000"/>
@@ -3900,7 +4253,7 @@
               <a:t>, Huw Horgan</a:t>
             </a:r>
             <a:r>
-              <a:rPr lang="en-US" sz="3600" baseline="30000" dirty="0">
+              <a:rPr lang="en-US" sz="4000" baseline="30000" dirty="0">
                 <a:solidFill>
                   <a:schemeClr val="accent1">
                     <a:lumMod val="75000"/>
@@ -3911,7 +4264,7 @@
               <a:t>1</a:t>
             </a:r>
             <a:r>
-              <a:rPr lang="en-US" sz="3600" dirty="0">
+              <a:rPr lang="en-US" sz="4000" dirty="0">
                 <a:solidFill>
                   <a:schemeClr val="accent1">
                     <a:lumMod val="75000"/>
@@ -3922,7 +4275,7 @@
               <a:t>, Fabio Caratori Tontini</a:t>
             </a:r>
             <a:r>
-              <a:rPr lang="en-US" sz="3600" baseline="30000" dirty="0">
+              <a:rPr lang="en-US" sz="4000" baseline="30000" dirty="0">
                 <a:solidFill>
                   <a:schemeClr val="accent1">
                     <a:lumMod val="75000"/>
@@ -3933,7 +4286,7 @@
               <a:t>2,4</a:t>
             </a:r>
             <a:r>
-              <a:rPr lang="en-US" sz="3600" dirty="0">
+              <a:rPr lang="en-US" sz="4000" dirty="0">
                 <a:solidFill>
                   <a:schemeClr val="accent1">
                     <a:lumMod val="75000"/>
@@ -3944,7 +4297,7 @@
               <a:t>, Kirsty Tinto</a:t>
             </a:r>
             <a:r>
-              <a:rPr lang="en-US" sz="3600" baseline="30000" dirty="0">
+              <a:rPr lang="en-US" sz="4000" baseline="30000" dirty="0">
                 <a:solidFill>
                   <a:schemeClr val="accent1">
                     <a:lumMod val="75000"/>
@@ -3955,7 +4308,7 @@
               <a:t>5</a:t>
             </a:r>
             <a:r>
-              <a:rPr lang="en-US" sz="4000" baseline="30000" dirty="0">
+              <a:rPr lang="en-US" sz="4400" baseline="30000" dirty="0">
                 <a:solidFill>
                   <a:schemeClr val="accent1">
                     <a:lumMod val="75000"/>
@@ -3968,8 +4321,19 @@
           </a:p>
           <a:p>
             <a:pPr algn="ctr" fontAlgn="base"/>
-            <a:r>
-              <a:rPr lang="en-US" sz="2800" baseline="30000" dirty="0">
+            <a:endParaRPr lang="en-US" sz="4400" baseline="30000" dirty="0">
+              <a:solidFill>
+                <a:schemeClr val="accent1">
+                  <a:lumMod val="75000"/>
+                </a:schemeClr>
+              </a:solidFill>
+              <a:latin typeface="Lato Black" panose="020F0A02020204030203"/>
+            </a:endParaRPr>
+          </a:p>
+          <a:p>
+            <a:pPr algn="ctr" fontAlgn="base"/>
+            <a:r>
+              <a:rPr lang="en-US" sz="3200" baseline="30000" dirty="0">
                 <a:solidFill>
                   <a:schemeClr val="accent1">
                     <a:lumMod val="75000"/>
@@ -3980,7 +4344,7 @@
               <a:t>1</a:t>
             </a:r>
             <a:r>
-              <a:rPr lang="en-US" sz="2800" dirty="0">
+              <a:rPr lang="en-US" sz="3200" dirty="0">
                 <a:solidFill>
                   <a:schemeClr val="accent1">
                     <a:lumMod val="75000"/>
@@ -3991,7 +4355,7 @@
               <a:t>Antarctic Research Centre, Victoria University of Wellington, </a:t>
             </a:r>
             <a:r>
-              <a:rPr lang="en-NZ" sz="2800" dirty="0">
+              <a:rPr lang="en-NZ" sz="3200" dirty="0">
                 <a:solidFill>
                   <a:schemeClr val="accent1">
                     <a:lumMod val="75000"/>
@@ -4002,7 +4366,7 @@
               <a:t>NZ     </a:t>
             </a:r>
             <a:r>
-              <a:rPr lang="en-US" sz="2800" baseline="30000" dirty="0">
+              <a:rPr lang="en-US" sz="3200" baseline="30000" dirty="0">
                 <a:solidFill>
                   <a:schemeClr val="accent1">
                     <a:lumMod val="75000"/>
@@ -4013,7 +4377,7 @@
               <a:t>2</a:t>
             </a:r>
             <a:r>
-              <a:rPr lang="en-US" sz="2800" dirty="0">
+              <a:rPr lang="en-US" sz="3200" dirty="0">
                 <a:solidFill>
                   <a:schemeClr val="accent1">
                     <a:lumMod val="75000"/>
@@ -4024,7 +4388,7 @@
               <a:t>GNS Science, </a:t>
             </a:r>
             <a:r>
-              <a:rPr lang="en-NZ" sz="2800" dirty="0">
+              <a:rPr lang="en-NZ" sz="3200" dirty="0">
                 <a:solidFill>
                   <a:schemeClr val="accent1">
                     <a:lumMod val="75000"/>
@@ -4035,7 +4399,7 @@
               <a:t>NZ     </a:t>
             </a:r>
             <a:r>
-              <a:rPr lang="en-US" sz="2800" baseline="30000" dirty="0">
+              <a:rPr lang="en-US" sz="3200" baseline="30000" dirty="0">
                 <a:solidFill>
                   <a:schemeClr val="accent1">
                     <a:lumMod val="75000"/>
@@ -4046,7 +4410,7 @@
               <a:t>3</a:t>
             </a:r>
             <a:r>
-              <a:rPr lang="en-US" sz="2800" dirty="0">
+              <a:rPr lang="en-US" sz="3200" dirty="0">
                 <a:solidFill>
                   <a:schemeClr val="accent1">
                     <a:lumMod val="75000"/>
@@ -4057,7 +4421,7 @@
               <a:t>Colorado College, </a:t>
             </a:r>
             <a:r>
-              <a:rPr lang="en-NZ" sz="2800" dirty="0">
+              <a:rPr lang="en-NZ" sz="3200" dirty="0">
                 <a:solidFill>
                   <a:schemeClr val="accent1">
                     <a:lumMod val="75000"/>
@@ -4068,7 +4432,7 @@
               <a:t>USA     </a:t>
             </a:r>
             <a:r>
-              <a:rPr lang="en-US" sz="2800" baseline="30000" dirty="0">
+              <a:rPr lang="en-US" sz="3200" baseline="30000" dirty="0">
                 <a:solidFill>
                   <a:schemeClr val="accent1">
                     <a:lumMod val="75000"/>
@@ -4079,7 +4443,7 @@
               <a:t>4</a:t>
             </a:r>
             <a:r>
-              <a:rPr lang="en-US" sz="2800" dirty="0">
+              <a:rPr lang="en-US" sz="3200" dirty="0">
                 <a:solidFill>
                   <a:schemeClr val="accent1">
                     <a:lumMod val="75000"/>
@@ -4090,7 +4454,7 @@
               <a:t>University of Genova, Italy     </a:t>
             </a:r>
             <a:r>
-              <a:rPr lang="en-US" sz="2800" baseline="30000" dirty="0">
+              <a:rPr lang="en-US" sz="3200" baseline="30000" dirty="0">
                 <a:solidFill>
                   <a:schemeClr val="accent1">
                     <a:lumMod val="75000"/>
@@ -4101,7 +4465,7 @@
               <a:t>5</a:t>
             </a:r>
             <a:r>
-              <a:rPr lang="en-US" sz="2800" dirty="0">
+              <a:rPr lang="en-US" sz="3200" dirty="0">
                 <a:solidFill>
                   <a:schemeClr val="accent1">
                     <a:lumMod val="75000"/>
@@ -4112,7 +4476,7 @@
               <a:t>Lamont-Doherty Earth Observatory, </a:t>
             </a:r>
             <a:r>
-              <a:rPr lang="en-NZ" sz="2800" dirty="0">
+              <a:rPr lang="en-NZ" sz="3200" dirty="0">
                 <a:solidFill>
                   <a:schemeClr val="accent1">
                     <a:lumMod val="75000"/>
@@ -4126,7 +4490,7 @@
           <a:p>
             <a:pPr algn="ctr" fontAlgn="base"/>
             <a:r>
-              <a:rPr lang="en-NZ" sz="4000" dirty="0">
+              <a:rPr lang="en-NZ" sz="4400" dirty="0">
                 <a:solidFill>
                   <a:schemeClr val="accent1">
                     <a:lumMod val="75000"/>
